--- a/es6/es6新特性.pptx
+++ b/es6/es6新特性.pptx
@@ -15,6 +15,11 @@
     <p:sldId id="263" r:id="rId10"/>
     <p:sldId id="264" r:id="rId11"/>
     <p:sldId id="265" r:id="rId12"/>
+    <p:sldId id="266" r:id="rId13"/>
+    <p:sldId id="267" r:id="rId14"/>
+    <p:sldId id="268" r:id="rId15"/>
+    <p:sldId id="269" r:id="rId16"/>
+    <p:sldId id="270" r:id="rId17"/>
   </p:sldIdLst>
   <p:sldSz cx="12192000" cy="6858000"/>
   <p:notesSz cx="6858000" cy="9144000"/>
@@ -3153,7 +3158,7 @@
         <p:spPr>
           <a:xfrm>
             <a:off x="457200" y="914400"/>
-            <a:ext cx="4143375" cy="645160"/>
+            <a:ext cx="10448290" cy="3138170"/>
           </a:xfrm>
           <a:prstGeom prst="rect">
             <a:avLst/>
@@ -3190,7 +3195,941 @@
             </a:r>
             <a:r>
               <a:rPr lang="en-US" altLang="zh-CN"/>
-              <a:t>9.1</a:t>
+              <a:t>9.1 Set</a:t>
+            </a:r>
+            <a:r>
+              <a:rPr lang="zh-CN" altLang="en-US"/>
+              <a:t>数据结构，类似于数组，值是唯一的</a:t>
+            </a:r>
+            <a:endParaRPr lang="zh-CN" altLang="en-US"/>
+          </a:p>
+          <a:p>
+            <a:r>
+              <a:rPr lang="zh-CN" altLang="en-US"/>
+              <a:t>   </a:t>
+            </a:r>
+            <a:r>
+              <a:rPr lang="en-US" altLang="zh-CN"/>
+              <a:t>9.2 Set</a:t>
+            </a:r>
+            <a:r>
+              <a:rPr lang="zh-CN" altLang="en-US"/>
+              <a:t>的方法和属性</a:t>
+            </a:r>
+            <a:r>
+              <a:rPr lang="en-US" altLang="zh-CN"/>
+              <a:t>:add,delete,has,clear,size</a:t>
+            </a:r>
+            <a:endParaRPr lang="en-US" altLang="zh-CN"/>
+          </a:p>
+          <a:p>
+            <a:r>
+              <a:rPr lang="en-US" altLang="zh-CN"/>
+              <a:t>   9.3 Set</a:t>
+            </a:r>
+            <a:r>
+              <a:rPr lang="zh-CN" altLang="en-US"/>
+              <a:t>的遍历方法</a:t>
+            </a:r>
+            <a:r>
+              <a:rPr lang="en-US" altLang="zh-CN"/>
+              <a:t>,keys,values,entries,forEach</a:t>
+            </a:r>
+            <a:endParaRPr lang="en-US" altLang="zh-CN"/>
+          </a:p>
+          <a:p>
+            <a:r>
+              <a:rPr lang="en-US" altLang="zh-CN"/>
+              <a:t>   9.4 WeakSet</a:t>
+            </a:r>
+            <a:r>
+              <a:rPr lang="zh-CN" altLang="en-US"/>
+              <a:t>与</a:t>
+            </a:r>
+            <a:r>
+              <a:rPr lang="en-US" altLang="zh-CN"/>
+              <a:t>Set</a:t>
+            </a:r>
+            <a:r>
+              <a:rPr lang="zh-CN" altLang="en-US"/>
+              <a:t>的区别：成员值只能是对象，且</a:t>
+            </a:r>
+            <a:r>
+              <a:rPr lang="en-US" altLang="zh-CN"/>
+              <a:t>WeakSet</a:t>
+            </a:r>
+            <a:r>
+              <a:rPr lang="zh-CN" altLang="en-US"/>
+              <a:t>的对象是弱引用，无</a:t>
+            </a:r>
+            <a:r>
+              <a:rPr lang="en-US" altLang="zh-CN"/>
+              <a:t>size</a:t>
+            </a:r>
+            <a:r>
+              <a:rPr lang="zh-CN" altLang="en-US"/>
+              <a:t>属性，不能遍历</a:t>
+            </a:r>
+            <a:endParaRPr lang="zh-CN" altLang="en-US"/>
+          </a:p>
+          <a:p>
+            <a:r>
+              <a:rPr lang="zh-CN" altLang="en-US"/>
+              <a:t>   </a:t>
+            </a:r>
+            <a:r>
+              <a:rPr lang="en-US" altLang="zh-CN"/>
+              <a:t>9.5 Map </a:t>
+            </a:r>
+            <a:r>
+              <a:rPr lang="zh-CN" altLang="en-US"/>
+              <a:t>类似于</a:t>
+            </a:r>
+            <a:r>
+              <a:rPr lang="en-US" altLang="zh-CN"/>
+              <a:t>Object</a:t>
+            </a:r>
+            <a:r>
+              <a:rPr lang="zh-CN" altLang="en-US"/>
+              <a:t>但</a:t>
+            </a:r>
+            <a:r>
+              <a:rPr lang="en-US" altLang="zh-CN"/>
+              <a:t>key</a:t>
+            </a:r>
+            <a:r>
+              <a:rPr lang="zh-CN" altLang="en-US"/>
+              <a:t>可以是任何数据类型，包括对象</a:t>
+            </a:r>
+            <a:endParaRPr lang="zh-CN" altLang="en-US"/>
+          </a:p>
+          <a:p>
+            <a:r>
+              <a:rPr lang="zh-CN" altLang="en-US"/>
+              <a:t>   </a:t>
+            </a:r>
+            <a:r>
+              <a:rPr lang="en-US" altLang="zh-CN"/>
+              <a:t>9.6 </a:t>
+            </a:r>
+            <a:r>
+              <a:rPr lang="en-US" altLang="zh-CN">
+                <a:sym typeface="+mn-ea"/>
+              </a:rPr>
+              <a:t>Map </a:t>
+            </a:r>
+            <a:r>
+              <a:rPr lang="zh-CN" altLang="en-US">
+                <a:sym typeface="+mn-ea"/>
+              </a:rPr>
+              <a:t>结构的方法和属性</a:t>
+            </a:r>
+            <a:r>
+              <a:rPr lang="en-US" altLang="zh-CN">
+                <a:sym typeface="+mn-ea"/>
+              </a:rPr>
+              <a:t>,</a:t>
+            </a:r>
+            <a:r>
+              <a:rPr lang="zh-CN" altLang="en-US">
+                <a:sym typeface="+mn-ea"/>
+              </a:rPr>
+              <a:t>遍历方法</a:t>
+            </a:r>
+            <a:r>
+              <a:rPr lang="en-US" altLang="zh-CN">
+                <a:sym typeface="+mn-ea"/>
+              </a:rPr>
+              <a:t>,keys,values,entries,forEach</a:t>
+            </a:r>
+            <a:endParaRPr lang="zh-CN" altLang="en-US">
+              <a:sym typeface="+mn-ea"/>
+            </a:endParaRPr>
+          </a:p>
+          <a:p>
+            <a:r>
+              <a:rPr lang="zh-CN" altLang="en-US">
+                <a:sym typeface="+mn-ea"/>
+              </a:rPr>
+              <a:t>   </a:t>
+            </a:r>
+            <a:r>
+              <a:rPr lang="en-US" altLang="zh-CN">
+                <a:sym typeface="+mn-ea"/>
+              </a:rPr>
+              <a:t>9.7  WeakMap key</a:t>
+            </a:r>
+            <a:r>
+              <a:rPr lang="zh-CN" altLang="en-US">
+                <a:sym typeface="+mn-ea"/>
+              </a:rPr>
+              <a:t>值只能是对象，对象是弱引用，无</a:t>
+            </a:r>
+            <a:r>
+              <a:rPr lang="en-US" altLang="zh-CN">
+                <a:sym typeface="+mn-ea"/>
+              </a:rPr>
+              <a:t>size</a:t>
+            </a:r>
+            <a:r>
+              <a:rPr lang="zh-CN" altLang="en-US">
+                <a:sym typeface="+mn-ea"/>
+              </a:rPr>
+              <a:t>属性，不能遍历</a:t>
+            </a:r>
+            <a:endParaRPr lang="zh-CN" altLang="en-US"/>
+          </a:p>
+          <a:p>
+            <a:endParaRPr lang="zh-CN" altLang="en-US">
+              <a:sym typeface="+mn-ea"/>
+            </a:endParaRPr>
+          </a:p>
+          <a:p>
+            <a:r>
+              <a:rPr lang="zh-CN" altLang="en-US"/>
+              <a:t>  </a:t>
+            </a:r>
+            <a:endParaRPr lang="zh-CN" altLang="en-US"/>
+          </a:p>
+          <a:p>
+            <a:r>
+              <a:rPr lang="en-US" altLang="zh-CN"/>
+              <a:t>   </a:t>
+            </a:r>
+            <a:endParaRPr lang="en-US" altLang="zh-CN"/>
+          </a:p>
+        </p:txBody>
+      </p:sp>
+    </p:spTree>
+  </p:cSld>
+  <p:clrMapOvr>
+    <a:masterClrMapping/>
+  </p:clrMapOvr>
+</p:sld>
+</file>
+
+<file path=ppt/slides/slide11.xml><?xml version="1.0" encoding="utf-8"?>
+<p:sld xmlns:a="http://schemas.openxmlformats.org/drawingml/2006/main" xmlns:r="http://schemas.openxmlformats.org/officeDocument/2006/relationships" xmlns:p="http://schemas.openxmlformats.org/presentationml/2006/main">
+  <p:cSld>
+    <p:spTree>
+      <p:nvGrpSpPr>
+        <p:cNvPr id="1" name=""/>
+        <p:cNvGrpSpPr/>
+        <p:nvPr/>
+      </p:nvGrpSpPr>
+      <p:grpSpPr/>
+      <p:sp>
+        <p:nvSpPr>
+          <p:cNvPr id="2" name="标题 1"/>
+          <p:cNvSpPr>
+            <a:spLocks noGrp="1"/>
+          </p:cNvSpPr>
+          <p:nvPr>
+            <p:ph type="title"/>
+          </p:nvPr>
+        </p:nvSpPr>
+        <p:spPr/>
+        <p:txBody>
+          <a:bodyPr/>
+          <a:p>
+            <a:endParaRPr lang="zh-CN" altLang="en-US"/>
+          </a:p>
+        </p:txBody>
+      </p:sp>
+      <p:pic>
+        <p:nvPicPr>
+          <p:cNvPr id="4" name="内容占位符 3" descr="vetech"/>
+          <p:cNvPicPr>
+            <a:picLocks noChangeAspect="1"/>
+          </p:cNvPicPr>
+          <p:nvPr>
+            <p:ph idx="1"/>
+          </p:nvPr>
+        </p:nvPicPr>
+        <p:blipFill>
+          <a:blip r:embed="rId1"/>
+          <a:stretch>
+            <a:fillRect/>
+          </a:stretch>
+        </p:blipFill>
+        <p:spPr>
+          <a:xfrm>
+            <a:off x="4445" y="-1905"/>
+            <a:ext cx="12173585" cy="6864350"/>
+          </a:xfrm>
+          <a:prstGeom prst="rect">
+            <a:avLst/>
+          </a:prstGeom>
+        </p:spPr>
+      </p:pic>
+      <p:sp>
+        <p:nvSpPr>
+          <p:cNvPr id="5" name="文本框 4"/>
+          <p:cNvSpPr txBox="1"/>
+          <p:nvPr/>
+        </p:nvSpPr>
+        <p:spPr>
+          <a:xfrm>
+            <a:off x="714375" y="1039495"/>
+            <a:ext cx="9086850" cy="922020"/>
+          </a:xfrm>
+          <a:prstGeom prst="rect">
+            <a:avLst/>
+          </a:prstGeom>
+          <a:noFill/>
+        </p:spPr>
+        <p:txBody>
+          <a:bodyPr wrap="square" rtlCol="0">
+            <a:spAutoFit/>
+          </a:bodyPr>
+          <a:p>
+            <a:r>
+              <a:rPr lang="en-US" altLang="zh-CN"/>
+              <a:t>10. proxy</a:t>
+            </a:r>
+            <a:endParaRPr lang="en-US" altLang="zh-CN"/>
+          </a:p>
+          <a:p>
+            <a:r>
+              <a:rPr lang="en-US" altLang="zh-CN"/>
+              <a:t>    10.1 proxy</a:t>
+            </a:r>
+            <a:r>
+              <a:rPr lang="zh-CN" altLang="en-US"/>
+              <a:t>用于修改某些操作的默认行为，在目标对象前架设一层拦截，外界对该对象的访问都要经过这层拦截，因此可对外界的访问进行过滤和改写。</a:t>
+            </a:r>
+            <a:endParaRPr lang="zh-CN" altLang="en-US"/>
+          </a:p>
+        </p:txBody>
+      </p:sp>
+    </p:spTree>
+  </p:cSld>
+  <p:clrMapOvr>
+    <a:masterClrMapping/>
+  </p:clrMapOvr>
+</p:sld>
+</file>
+
+<file path=ppt/slides/slide12.xml><?xml version="1.0" encoding="utf-8"?>
+<p:sld xmlns:a="http://schemas.openxmlformats.org/drawingml/2006/main" xmlns:r="http://schemas.openxmlformats.org/officeDocument/2006/relationships" xmlns:p="http://schemas.openxmlformats.org/presentationml/2006/main">
+  <p:cSld>
+    <p:spTree>
+      <p:nvGrpSpPr>
+        <p:cNvPr id="1" name=""/>
+        <p:cNvGrpSpPr/>
+        <p:nvPr/>
+      </p:nvGrpSpPr>
+      <p:grpSpPr/>
+      <p:sp>
+        <p:nvSpPr>
+          <p:cNvPr id="2" name="标题 1"/>
+          <p:cNvSpPr>
+            <a:spLocks noGrp="1"/>
+          </p:cNvSpPr>
+          <p:nvPr>
+            <p:ph type="title"/>
+          </p:nvPr>
+        </p:nvSpPr>
+        <p:spPr/>
+        <p:txBody>
+          <a:bodyPr/>
+          <a:p>
+            <a:endParaRPr lang="zh-CN" altLang="en-US"/>
+          </a:p>
+        </p:txBody>
+      </p:sp>
+      <p:pic>
+        <p:nvPicPr>
+          <p:cNvPr id="4" name="内容占位符 3" descr="vetech"/>
+          <p:cNvPicPr>
+            <a:picLocks noChangeAspect="1"/>
+          </p:cNvPicPr>
+          <p:nvPr>
+            <p:ph idx="1"/>
+          </p:nvPr>
+        </p:nvPicPr>
+        <p:blipFill>
+          <a:blip r:embed="rId1"/>
+          <a:stretch>
+            <a:fillRect/>
+          </a:stretch>
+        </p:blipFill>
+        <p:spPr>
+          <a:xfrm>
+            <a:off x="-5715" y="15875"/>
+            <a:ext cx="12192635" cy="6884670"/>
+          </a:xfrm>
+          <a:prstGeom prst="rect">
+            <a:avLst/>
+          </a:prstGeom>
+        </p:spPr>
+      </p:pic>
+      <p:sp>
+        <p:nvSpPr>
+          <p:cNvPr id="5" name="文本框 4"/>
+          <p:cNvSpPr txBox="1"/>
+          <p:nvPr/>
+        </p:nvSpPr>
+        <p:spPr>
+          <a:xfrm>
+            <a:off x="447675" y="802005"/>
+            <a:ext cx="11096625" cy="3969385"/>
+          </a:xfrm>
+          <a:prstGeom prst="rect">
+            <a:avLst/>
+          </a:prstGeom>
+          <a:noFill/>
+        </p:spPr>
+        <p:txBody>
+          <a:bodyPr wrap="square" rtlCol="0">
+            <a:spAutoFit/>
+          </a:bodyPr>
+          <a:p>
+            <a:r>
+              <a:rPr lang="en-US" altLang="zh-CN"/>
+              <a:t>11. Reflect </a:t>
+            </a:r>
+            <a:r>
+              <a:rPr lang="zh-CN" altLang="en-US"/>
+              <a:t>对象</a:t>
+            </a:r>
+            <a:endParaRPr lang="zh-CN" altLang="en-US"/>
+          </a:p>
+          <a:p>
+            <a:r>
+              <a:rPr lang="zh-CN" altLang="en-US"/>
+              <a:t>    </a:t>
+            </a:r>
+            <a:r>
+              <a:rPr lang="en-US" altLang="zh-CN"/>
+              <a:t>11.1      Reflect.apply(target, thisArg, args)</a:t>
+            </a:r>
+            <a:endParaRPr lang="en-US" altLang="zh-CN"/>
+          </a:p>
+          <a:p>
+            <a:pPr lvl="2"/>
+            <a:r>
+              <a:rPr lang="en-US" altLang="zh-CN"/>
+              <a:t> Reflect.construct(target, args)  不使用new ，构造对象</a:t>
+            </a:r>
+            <a:endParaRPr lang="en-US" altLang="zh-CN"/>
+          </a:p>
+          <a:p>
+            <a:pPr lvl="2"/>
+            <a:r>
+              <a:rPr lang="en-US" altLang="zh-CN"/>
+              <a:t> Reflect.get(target, name, receiver)</a:t>
+            </a:r>
+            <a:endParaRPr lang="en-US" altLang="zh-CN"/>
+          </a:p>
+          <a:p>
+            <a:pPr lvl="2"/>
+            <a:r>
+              <a:rPr lang="en-US" altLang="zh-CN"/>
+              <a:t> Reflect.set(target, name, value, receiver)</a:t>
+            </a:r>
+            <a:endParaRPr lang="en-US" altLang="zh-CN"/>
+          </a:p>
+          <a:p>
+            <a:pPr lvl="2"/>
+            <a:r>
+              <a:rPr lang="en-US" altLang="zh-CN"/>
+              <a:t> Reflect.defineProperty(target, name, desc)</a:t>
+            </a:r>
+            <a:endParaRPr lang="en-US" altLang="zh-CN"/>
+          </a:p>
+          <a:p>
+            <a:pPr lvl="2"/>
+            <a:r>
+              <a:rPr lang="en-US" altLang="zh-CN"/>
+              <a:t> Reflect.deleteProperty(target, name)</a:t>
+            </a:r>
+            <a:endParaRPr lang="en-US" altLang="zh-CN"/>
+          </a:p>
+          <a:p>
+            <a:pPr lvl="2"/>
+            <a:r>
+              <a:rPr lang="en-US" altLang="zh-CN"/>
+              <a:t> Reflect.has(target, name)</a:t>
+            </a:r>
+            <a:endParaRPr lang="en-US" altLang="zh-CN"/>
+          </a:p>
+          <a:p>
+            <a:pPr lvl="2"/>
+            <a:r>
+              <a:rPr lang="en-US" altLang="zh-CN"/>
+              <a:t> Reflect.ownKeys(target)</a:t>
+            </a:r>
+            <a:endParaRPr lang="en-US" altLang="zh-CN"/>
+          </a:p>
+          <a:p>
+            <a:pPr lvl="2"/>
+            <a:r>
+              <a:rPr lang="en-US" altLang="zh-CN"/>
+              <a:t> Reflect.isExtensible(target)</a:t>
+            </a:r>
+            <a:endParaRPr lang="en-US" altLang="zh-CN"/>
+          </a:p>
+          <a:p>
+            <a:pPr lvl="2"/>
+            <a:r>
+              <a:rPr lang="en-US" altLang="zh-CN"/>
+              <a:t> Reflect.preventExtensions(target)</a:t>
+            </a:r>
+            <a:endParaRPr lang="en-US" altLang="zh-CN"/>
+          </a:p>
+          <a:p>
+            <a:pPr lvl="2"/>
+            <a:r>
+              <a:rPr lang="en-US" altLang="zh-CN"/>
+              <a:t> Reflect.getOwnPropertyDescriptor(target, name)</a:t>
+            </a:r>
+            <a:endParaRPr lang="en-US" altLang="zh-CN"/>
+          </a:p>
+          <a:p>
+            <a:pPr lvl="2"/>
+            <a:r>
+              <a:rPr lang="en-US" altLang="zh-CN"/>
+              <a:t> Reflect.getPrototypeOf(target)</a:t>
+            </a:r>
+            <a:endParaRPr lang="en-US" altLang="zh-CN"/>
+          </a:p>
+          <a:p>
+            <a:pPr lvl="2"/>
+            <a:r>
+              <a:rPr lang="en-US" altLang="zh-CN"/>
+              <a:t> Reflect.setPrototypeOf(target, prototype)</a:t>
+            </a:r>
+            <a:endParaRPr lang="en-US" altLang="zh-CN"/>
+          </a:p>
+        </p:txBody>
+      </p:sp>
+    </p:spTree>
+  </p:cSld>
+  <p:clrMapOvr>
+    <a:masterClrMapping/>
+  </p:clrMapOvr>
+</p:sld>
+</file>
+
+<file path=ppt/slides/slide13.xml><?xml version="1.0" encoding="utf-8"?>
+<p:sld xmlns:a="http://schemas.openxmlformats.org/drawingml/2006/main" xmlns:r="http://schemas.openxmlformats.org/officeDocument/2006/relationships" xmlns:p="http://schemas.openxmlformats.org/presentationml/2006/main">
+  <p:cSld>
+    <p:spTree>
+      <p:nvGrpSpPr>
+        <p:cNvPr id="1" name=""/>
+        <p:cNvGrpSpPr/>
+        <p:nvPr/>
+      </p:nvGrpSpPr>
+      <p:grpSpPr/>
+      <p:sp>
+        <p:nvSpPr>
+          <p:cNvPr id="2" name="标题 1"/>
+          <p:cNvSpPr>
+            <a:spLocks noGrp="1"/>
+          </p:cNvSpPr>
+          <p:nvPr>
+            <p:ph type="title"/>
+          </p:nvPr>
+        </p:nvSpPr>
+        <p:spPr/>
+        <p:txBody>
+          <a:bodyPr/>
+          <a:p>
+            <a:endParaRPr lang="zh-CN" altLang="en-US"/>
+          </a:p>
+        </p:txBody>
+      </p:sp>
+      <p:pic>
+        <p:nvPicPr>
+          <p:cNvPr id="4" name="内容占位符 3" descr="vetech"/>
+          <p:cNvPicPr>
+            <a:picLocks noChangeAspect="1"/>
+          </p:cNvPicPr>
+          <p:nvPr>
+            <p:ph idx="1"/>
+          </p:nvPr>
+        </p:nvPicPr>
+        <p:blipFill>
+          <a:blip r:embed="rId1"/>
+          <a:stretch>
+            <a:fillRect/>
+          </a:stretch>
+        </p:blipFill>
+        <p:spPr>
+          <a:xfrm>
+            <a:off x="4445" y="-2540"/>
+            <a:ext cx="12192635" cy="6874510"/>
+          </a:xfrm>
+          <a:prstGeom prst="rect">
+            <a:avLst/>
+          </a:prstGeom>
+        </p:spPr>
+      </p:pic>
+      <p:sp>
+        <p:nvSpPr>
+          <p:cNvPr id="5" name="文本框 4"/>
+          <p:cNvSpPr txBox="1"/>
+          <p:nvPr/>
+        </p:nvSpPr>
+        <p:spPr>
+          <a:xfrm>
+            <a:off x="323850" y="834390"/>
+            <a:ext cx="11553825" cy="1198880"/>
+          </a:xfrm>
+          <a:prstGeom prst="rect">
+            <a:avLst/>
+          </a:prstGeom>
+          <a:noFill/>
+        </p:spPr>
+        <p:txBody>
+          <a:bodyPr wrap="square" rtlCol="0">
+            <a:spAutoFit/>
+          </a:bodyPr>
+          <a:p>
+            <a:r>
+              <a:rPr lang="en-US" altLang="zh-CN"/>
+              <a:t>12. promise </a:t>
+            </a:r>
+            <a:r>
+              <a:rPr lang="zh-CN" altLang="en-US"/>
+              <a:t>异步编程对象</a:t>
+            </a:r>
+            <a:endParaRPr lang="zh-CN" altLang="en-US"/>
+          </a:p>
+          <a:p>
+            <a:r>
+              <a:rPr lang="zh-CN" altLang="en-US"/>
+              <a:t>    </a:t>
+            </a:r>
+            <a:r>
+              <a:rPr lang="en-US" altLang="zh-CN"/>
+              <a:t>12.1 promise</a:t>
+            </a:r>
+            <a:r>
+              <a:rPr lang="zh-CN" altLang="en-US"/>
+              <a:t>对象的三种状态 </a:t>
+            </a:r>
+            <a:r>
+              <a:rPr lang="en-US" altLang="zh-CN"/>
+              <a:t>pending,resolved,rejected,</a:t>
+            </a:r>
+            <a:r>
+              <a:rPr lang="zh-CN" altLang="en-US"/>
+              <a:t>且状态不受外界影响，不被外界改变</a:t>
+            </a:r>
+            <a:endParaRPr lang="zh-CN" altLang="en-US"/>
+          </a:p>
+          <a:p>
+            <a:r>
+              <a:rPr lang="zh-CN" altLang="en-US"/>
+              <a:t>    </a:t>
+            </a:r>
+            <a:r>
+              <a:rPr lang="en-US" altLang="zh-CN"/>
+              <a:t>12.2 promise</a:t>
+            </a:r>
+            <a:r>
+              <a:rPr lang="zh-CN" altLang="en-US"/>
+              <a:t>的状态一旦改变就不能再改变。</a:t>
+            </a:r>
+            <a:endParaRPr lang="zh-CN" altLang="en-US"/>
+          </a:p>
+          <a:p>
+            <a:r>
+              <a:rPr lang="zh-CN" altLang="en-US"/>
+              <a:t>    </a:t>
+            </a:r>
+            <a:r>
+              <a:rPr lang="en-US" altLang="zh-CN"/>
+              <a:t> </a:t>
+            </a:r>
+            <a:endParaRPr lang="en-US" altLang="zh-CN"/>
+          </a:p>
+        </p:txBody>
+      </p:sp>
+    </p:spTree>
+  </p:cSld>
+  <p:clrMapOvr>
+    <a:masterClrMapping/>
+  </p:clrMapOvr>
+</p:sld>
+</file>
+
+<file path=ppt/slides/slide14.xml><?xml version="1.0" encoding="utf-8"?>
+<p:sld xmlns:a="http://schemas.openxmlformats.org/drawingml/2006/main" xmlns:r="http://schemas.openxmlformats.org/officeDocument/2006/relationships" xmlns:p="http://schemas.openxmlformats.org/presentationml/2006/main">
+  <p:cSld>
+    <p:spTree>
+      <p:nvGrpSpPr>
+        <p:cNvPr id="1" name=""/>
+        <p:cNvGrpSpPr/>
+        <p:nvPr/>
+      </p:nvGrpSpPr>
+      <p:grpSpPr/>
+      <p:sp>
+        <p:nvSpPr>
+          <p:cNvPr id="2" name="标题 1"/>
+          <p:cNvSpPr>
+            <a:spLocks noGrp="1"/>
+          </p:cNvSpPr>
+          <p:nvPr>
+            <p:ph type="title"/>
+          </p:nvPr>
+        </p:nvSpPr>
+        <p:spPr/>
+        <p:txBody>
+          <a:bodyPr/>
+          <a:p>
+            <a:endParaRPr lang="zh-CN" altLang="en-US"/>
+          </a:p>
+        </p:txBody>
+      </p:sp>
+      <p:pic>
+        <p:nvPicPr>
+          <p:cNvPr id="4" name="内容占位符 3" descr="vetech"/>
+          <p:cNvPicPr>
+            <a:picLocks noChangeAspect="1"/>
+          </p:cNvPicPr>
+          <p:nvPr>
+            <p:ph idx="1"/>
+          </p:nvPr>
+        </p:nvPicPr>
+        <p:blipFill>
+          <a:blip r:embed="rId1"/>
+          <a:stretch>
+            <a:fillRect/>
+          </a:stretch>
+        </p:blipFill>
+        <p:spPr>
+          <a:xfrm>
+            <a:off x="-14605" y="-12700"/>
+            <a:ext cx="12287250" cy="6847205"/>
+          </a:xfrm>
+          <a:prstGeom prst="rect">
+            <a:avLst/>
+          </a:prstGeom>
+        </p:spPr>
+      </p:pic>
+      <p:sp>
+        <p:nvSpPr>
+          <p:cNvPr id="6" name="文本框 5"/>
+          <p:cNvSpPr txBox="1"/>
+          <p:nvPr/>
+        </p:nvSpPr>
+        <p:spPr>
+          <a:xfrm>
+            <a:off x="295275" y="879475"/>
+            <a:ext cx="8277225" cy="1198880"/>
+          </a:xfrm>
+          <a:prstGeom prst="rect">
+            <a:avLst/>
+          </a:prstGeom>
+          <a:noFill/>
+        </p:spPr>
+        <p:txBody>
+          <a:bodyPr wrap="square" rtlCol="0">
+            <a:spAutoFit/>
+          </a:bodyPr>
+          <a:p>
+            <a:r>
+              <a:rPr lang="en-US" altLang="zh-CN"/>
+              <a:t>13.async( </a:t>
+            </a:r>
+            <a:r>
+              <a:rPr lang="zh-CN" altLang="en-US"/>
+              <a:t>同步</a:t>
+            </a:r>
+            <a:r>
+              <a:rPr lang="en-US" altLang="zh-CN"/>
+              <a:t>)</a:t>
+            </a:r>
+            <a:r>
+              <a:rPr lang="zh-CN" altLang="en-US"/>
+              <a:t>函数</a:t>
+            </a:r>
+            <a:endParaRPr lang="zh-CN" altLang="en-US"/>
+          </a:p>
+          <a:p>
+            <a:r>
+              <a:rPr lang="zh-CN" altLang="en-US"/>
+              <a:t>   </a:t>
+            </a:r>
+            <a:r>
+              <a:rPr lang="en-US" altLang="zh-CN"/>
+              <a:t>13.1 async 函数，使得异步操作变得更加方便</a:t>
+            </a:r>
+            <a:endParaRPr lang="en-US" altLang="zh-CN"/>
+          </a:p>
+          <a:p>
+            <a:r>
+              <a:rPr lang="en-US" altLang="zh-CN"/>
+              <a:t>   13.2 </a:t>
+            </a:r>
+            <a:r>
+              <a:rPr lang="en-US" altLang="zh-CN">
+                <a:sym typeface="+mn-ea"/>
+              </a:rPr>
+              <a:t>async 函数,</a:t>
+            </a:r>
+            <a:r>
+              <a:rPr lang="zh-CN" altLang="en-US">
+                <a:sym typeface="+mn-ea"/>
+              </a:rPr>
+              <a:t>返回</a:t>
+            </a:r>
+            <a:r>
+              <a:rPr lang="en-US" altLang="zh-CN">
+                <a:sym typeface="+mn-ea"/>
+              </a:rPr>
+              <a:t>promise</a:t>
+            </a:r>
+            <a:r>
+              <a:rPr lang="zh-CN" altLang="en-US">
+                <a:sym typeface="+mn-ea"/>
+              </a:rPr>
+              <a:t>对象</a:t>
+            </a:r>
+            <a:endParaRPr lang="zh-CN" altLang="en-US">
+              <a:sym typeface="+mn-ea"/>
+            </a:endParaRPr>
+          </a:p>
+          <a:p>
+            <a:r>
+              <a:rPr lang="zh-CN" altLang="en-US">
+                <a:sym typeface="+mn-ea"/>
+              </a:rPr>
+              <a:t>   </a:t>
+            </a:r>
+            <a:endParaRPr lang="zh-CN" altLang="en-US">
+              <a:sym typeface="+mn-ea"/>
+            </a:endParaRPr>
+          </a:p>
+        </p:txBody>
+      </p:sp>
+    </p:spTree>
+  </p:cSld>
+  <p:clrMapOvr>
+    <a:masterClrMapping/>
+  </p:clrMapOvr>
+</p:sld>
+</file>
+
+<file path=ppt/slides/slide15.xml><?xml version="1.0" encoding="utf-8"?>
+<p:sld xmlns:a="http://schemas.openxmlformats.org/drawingml/2006/main" xmlns:r="http://schemas.openxmlformats.org/officeDocument/2006/relationships" xmlns:p="http://schemas.openxmlformats.org/presentationml/2006/main">
+  <p:cSld>
+    <p:spTree>
+      <p:nvGrpSpPr>
+        <p:cNvPr id="1" name=""/>
+        <p:cNvGrpSpPr/>
+        <p:nvPr/>
+      </p:nvGrpSpPr>
+      <p:grpSpPr/>
+      <p:sp>
+        <p:nvSpPr>
+          <p:cNvPr id="2" name="标题 1"/>
+          <p:cNvSpPr>
+            <a:spLocks noGrp="1"/>
+          </p:cNvSpPr>
+          <p:nvPr>
+            <p:ph type="title"/>
+          </p:nvPr>
+        </p:nvSpPr>
+        <p:spPr/>
+        <p:txBody>
+          <a:bodyPr/>
+          <a:p>
+            <a:endParaRPr lang="zh-CN" altLang="en-US"/>
+          </a:p>
+        </p:txBody>
+      </p:sp>
+      <p:pic>
+        <p:nvPicPr>
+          <p:cNvPr id="4" name="内容占位符 3" descr="vetech"/>
+          <p:cNvPicPr>
+            <a:picLocks noChangeAspect="1"/>
+          </p:cNvPicPr>
+          <p:nvPr>
+            <p:ph idx="1"/>
+          </p:nvPr>
+        </p:nvPicPr>
+        <p:blipFill>
+          <a:blip r:embed="rId1"/>
+          <a:stretch>
+            <a:fillRect/>
+          </a:stretch>
+        </p:blipFill>
+        <p:spPr>
+          <a:xfrm>
+            <a:off x="4445" y="-1270"/>
+            <a:ext cx="12182475" cy="6854190"/>
+          </a:xfrm>
+          <a:prstGeom prst="rect">
+            <a:avLst/>
+          </a:prstGeom>
+        </p:spPr>
+      </p:pic>
+      <p:sp>
+        <p:nvSpPr>
+          <p:cNvPr id="5" name="文本框 4"/>
+          <p:cNvSpPr txBox="1"/>
+          <p:nvPr/>
+        </p:nvSpPr>
+        <p:spPr>
+          <a:xfrm>
+            <a:off x="219075" y="732790"/>
+            <a:ext cx="9763125" cy="922020"/>
+          </a:xfrm>
+          <a:prstGeom prst="rect">
+            <a:avLst/>
+          </a:prstGeom>
+          <a:noFill/>
+        </p:spPr>
+        <p:txBody>
+          <a:bodyPr wrap="square" rtlCol="0">
+            <a:spAutoFit/>
+          </a:bodyPr>
+          <a:p>
+            <a:r>
+              <a:rPr lang="en-US" altLang="zh-CN"/>
+              <a:t>14.  class</a:t>
+            </a:r>
+            <a:r>
+              <a:rPr lang="zh-CN" altLang="en-US"/>
+              <a:t>关键字</a:t>
+            </a:r>
+            <a:endParaRPr lang="zh-CN" altLang="en-US"/>
+          </a:p>
+          <a:p>
+            <a:r>
+              <a:rPr lang="zh-CN" altLang="en-US"/>
+              <a:t>   </a:t>
+            </a:r>
+            <a:r>
+              <a:rPr lang="en-US" altLang="zh-CN"/>
+              <a:t>14.1 class </a:t>
+            </a:r>
+            <a:r>
+              <a:rPr lang="zh-CN" altLang="en-US"/>
+              <a:t>的基本用法</a:t>
+            </a:r>
+            <a:endParaRPr lang="zh-CN" altLang="en-US"/>
+          </a:p>
+          <a:p>
+            <a:r>
+              <a:rPr lang="zh-CN" altLang="en-US"/>
+              <a:t>    </a:t>
+            </a:r>
+            <a:r>
+              <a:rPr lang="en-US" altLang="zh-CN"/>
+              <a:t>14.2 class</a:t>
+            </a:r>
+            <a:r>
+              <a:rPr lang="zh-CN" altLang="en-US"/>
+              <a:t>的继承</a:t>
+            </a:r>
+            <a:r>
+              <a:rPr lang="en-US" altLang="zh-CN"/>
+              <a:t> </a:t>
             </a:r>
             <a:endParaRPr lang="en-US" altLang="zh-CN"/>
           </a:p>
@@ -3905,11 +4844,7 @@
             </a:r>
             <a:r>
               <a:rPr lang="en-US" altLang="zh-CN"/>
-              <a:t>:</a:t>
-            </a:r>
-            <a:r>
-              <a:rPr lang="en-US" altLang="zh-CN"/>
-              <a:t>Number.isFinte,NUmber.isNaN,NUmber.isInteger</a:t>
+              <a:t>:Number.isFinte,NUmber.isNaN,NUmber.isInteger</a:t>
             </a:r>
             <a:endParaRPr lang="en-US" altLang="zh-CN"/>
           </a:p>
@@ -4165,11 +5100,7 @@
           <a:p>
             <a:r>
               <a:rPr lang="en-US" altLang="zh-CN"/>
-              <a:t>6</a:t>
-            </a:r>
-            <a:r>
-              <a:rPr lang="en-US" altLang="zh-CN"/>
-              <a:t>. </a:t>
+              <a:t>6. </a:t>
             </a:r>
             <a:r>
               <a:rPr lang="zh-CN" altLang="en-US"/>
